--- a/АиКМС/прак_2/АиКМС прак 2.pptx
+++ b/АиКМС/прак_2/АиКМС прак 2.pptx
@@ -855,7 +855,7 @@
           <a:p>
             <a:fld id="{90BD99E7-D6D0-4C3D-A150-02EDCE6F865C}" type="datetimeFigureOut">
               <a:rPr lang="ru-RU" smtClean="0"/>
-              <a:t>18.02.2025</a:t>
+              <a:t>23.02.2025</a:t>
             </a:fld>
             <a:endParaRPr lang="ru-RU"/>
           </a:p>
@@ -1106,7 +1106,7 @@
           <a:p>
             <a:fld id="{90BD99E7-D6D0-4C3D-A150-02EDCE6F865C}" type="datetimeFigureOut">
               <a:rPr lang="ru-RU" smtClean="0"/>
-              <a:t>18.02.2025</a:t>
+              <a:t>23.02.2025</a:t>
             </a:fld>
             <a:endParaRPr lang="ru-RU"/>
           </a:p>
@@ -1420,7 +1420,7 @@
           <a:p>
             <a:fld id="{90BD99E7-D6D0-4C3D-A150-02EDCE6F865C}" type="datetimeFigureOut">
               <a:rPr lang="ru-RU" smtClean="0"/>
-              <a:t>18.02.2025</a:t>
+              <a:t>23.02.2025</a:t>
             </a:fld>
             <a:endParaRPr lang="ru-RU"/>
           </a:p>
@@ -1747,7 +1747,7 @@
           <a:p>
             <a:fld id="{90BD99E7-D6D0-4C3D-A150-02EDCE6F865C}" type="datetimeFigureOut">
               <a:rPr lang="ru-RU" smtClean="0"/>
-              <a:t>18.02.2025</a:t>
+              <a:t>23.02.2025</a:t>
             </a:fld>
             <a:endParaRPr lang="ru-RU"/>
           </a:p>
@@ -2061,7 +2061,7 @@
           <a:p>
             <a:fld id="{90BD99E7-D6D0-4C3D-A150-02EDCE6F865C}" type="datetimeFigureOut">
               <a:rPr lang="ru-RU" smtClean="0"/>
-              <a:t>18.02.2025</a:t>
+              <a:t>23.02.2025</a:t>
             </a:fld>
             <a:endParaRPr lang="ru-RU"/>
           </a:p>
@@ -2448,7 +2448,7 @@
           <a:p>
             <a:fld id="{90BD99E7-D6D0-4C3D-A150-02EDCE6F865C}" type="datetimeFigureOut">
               <a:rPr lang="ru-RU" smtClean="0"/>
-              <a:t>18.02.2025</a:t>
+              <a:t>23.02.2025</a:t>
             </a:fld>
             <a:endParaRPr lang="ru-RU"/>
           </a:p>
@@ -2618,7 +2618,7 @@
           <a:p>
             <a:fld id="{90BD99E7-D6D0-4C3D-A150-02EDCE6F865C}" type="datetimeFigureOut">
               <a:rPr lang="ru-RU" smtClean="0"/>
-              <a:t>18.02.2025</a:t>
+              <a:t>23.02.2025</a:t>
             </a:fld>
             <a:endParaRPr lang="ru-RU"/>
           </a:p>
@@ -2798,7 +2798,7 @@
           <a:p>
             <a:fld id="{90BD99E7-D6D0-4C3D-A150-02EDCE6F865C}" type="datetimeFigureOut">
               <a:rPr lang="ru-RU" smtClean="0"/>
-              <a:t>18.02.2025</a:t>
+              <a:t>23.02.2025</a:t>
             </a:fld>
             <a:endParaRPr lang="ru-RU"/>
           </a:p>
@@ -2968,7 +2968,7 @@
           <a:p>
             <a:fld id="{90BD99E7-D6D0-4C3D-A150-02EDCE6F865C}" type="datetimeFigureOut">
               <a:rPr lang="ru-RU" smtClean="0"/>
-              <a:t>18.02.2025</a:t>
+              <a:t>23.02.2025</a:t>
             </a:fld>
             <a:endParaRPr lang="ru-RU"/>
           </a:p>
@@ -3215,7 +3215,7 @@
           <a:p>
             <a:fld id="{90BD99E7-D6D0-4C3D-A150-02EDCE6F865C}" type="datetimeFigureOut">
               <a:rPr lang="ru-RU" smtClean="0"/>
-              <a:t>18.02.2025</a:t>
+              <a:t>23.02.2025</a:t>
             </a:fld>
             <a:endParaRPr lang="ru-RU"/>
           </a:p>
@@ -3447,7 +3447,7 @@
           <a:p>
             <a:fld id="{90BD99E7-D6D0-4C3D-A150-02EDCE6F865C}" type="datetimeFigureOut">
               <a:rPr lang="ru-RU" smtClean="0"/>
-              <a:t>18.02.2025</a:t>
+              <a:t>23.02.2025</a:t>
             </a:fld>
             <a:endParaRPr lang="ru-RU"/>
           </a:p>
@@ -3821,7 +3821,7 @@
           <a:p>
             <a:fld id="{90BD99E7-D6D0-4C3D-A150-02EDCE6F865C}" type="datetimeFigureOut">
               <a:rPr lang="ru-RU" smtClean="0"/>
-              <a:t>18.02.2025</a:t>
+              <a:t>23.02.2025</a:t>
             </a:fld>
             <a:endParaRPr lang="ru-RU"/>
           </a:p>
@@ -3944,7 +3944,7 @@
           <a:p>
             <a:fld id="{90BD99E7-D6D0-4C3D-A150-02EDCE6F865C}" type="datetimeFigureOut">
               <a:rPr lang="ru-RU" smtClean="0"/>
-              <a:t>18.02.2025</a:t>
+              <a:t>23.02.2025</a:t>
             </a:fld>
             <a:endParaRPr lang="ru-RU"/>
           </a:p>
@@ -4039,7 +4039,7 @@
           <a:p>
             <a:fld id="{90BD99E7-D6D0-4C3D-A150-02EDCE6F865C}" type="datetimeFigureOut">
               <a:rPr lang="ru-RU" smtClean="0"/>
-              <a:t>18.02.2025</a:t>
+              <a:t>23.02.2025</a:t>
             </a:fld>
             <a:endParaRPr lang="ru-RU"/>
           </a:p>
@@ -4294,7 +4294,7 @@
           <a:p>
             <a:fld id="{90BD99E7-D6D0-4C3D-A150-02EDCE6F865C}" type="datetimeFigureOut">
               <a:rPr lang="ru-RU" smtClean="0"/>
-              <a:t>18.02.2025</a:t>
+              <a:t>23.02.2025</a:t>
             </a:fld>
             <a:endParaRPr lang="ru-RU"/>
           </a:p>
@@ -4557,7 +4557,7 @@
           <a:p>
             <a:fld id="{90BD99E7-D6D0-4C3D-A150-02EDCE6F865C}" type="datetimeFigureOut">
               <a:rPr lang="ru-RU" smtClean="0"/>
-              <a:t>18.02.2025</a:t>
+              <a:t>23.02.2025</a:t>
             </a:fld>
             <a:endParaRPr lang="ru-RU"/>
           </a:p>
@@ -5302,7 +5302,7 @@
           <a:p>
             <a:fld id="{90BD99E7-D6D0-4C3D-A150-02EDCE6F865C}" type="datetimeFigureOut">
               <a:rPr lang="ru-RU" smtClean="0"/>
-              <a:t>18.02.2025</a:t>
+              <a:t>23.02.2025</a:t>
             </a:fld>
             <a:endParaRPr lang="ru-RU"/>
           </a:p>
@@ -6050,7 +6050,7 @@
       </p:pic>
       <p:pic>
         <p:nvPicPr>
-          <p:cNvPr id="5" name="Рисунок 4"/>
+          <p:cNvPr id="6" name="Рисунок 5"/>
           <p:cNvPicPr>
             <a:picLocks noChangeAspect="1"/>
           </p:cNvPicPr>
@@ -6064,8 +6064,8 @@
         </p:blipFill>
         <p:spPr>
           <a:xfrm>
-            <a:off x="5727806" y="3332628"/>
-            <a:ext cx="5777578" cy="3440494"/>
+            <a:off x="5727806" y="2745997"/>
+            <a:ext cx="4629009" cy="4112003"/>
           </a:xfrm>
           <a:prstGeom prst="rect">
             <a:avLst/>
@@ -6162,10 +6162,8 @@
       </p:sp>
       <p:pic>
         <p:nvPicPr>
-          <p:cNvPr id="5" name="Рисунок 4"/>
-          <p:cNvPicPr>
-            <a:picLocks noChangeAspect="1"/>
-          </p:cNvPicPr>
+          <p:cNvPr id="6" name="Рисунок 5"/>
+          <p:cNvPicPr/>
           <p:nvPr/>
         </p:nvPicPr>
         <p:blipFill>
@@ -6176,8 +6174,8 @@
         </p:blipFill>
         <p:spPr>
           <a:xfrm>
-            <a:off x="553047" y="2774061"/>
-            <a:ext cx="6859432" cy="4083939"/>
+            <a:off x="472965" y="2995448"/>
+            <a:ext cx="6955165" cy="3862552"/>
           </a:xfrm>
           <a:prstGeom prst="rect">
             <a:avLst/>
@@ -6268,16 +6266,21 @@
             </a:r>
             <a:r>
               <a:rPr lang="ru-RU" dirty="0"/>
-              <a:t>работы платных курсов в образовательном </a:t>
+              <a:t>работы платных курсов </a:t>
             </a:r>
             <a:r>
               <a:rPr lang="ru-RU" dirty="0" smtClean="0"/>
-              <a:t>учреждении</a:t>
-            </a:r>
-          </a:p>
-          <a:p>
-            <a:r>
-              <a:rPr lang="ru-RU" dirty="0"/>
+              <a:t>в </a:t>
+            </a:r>
+            <a:r>
+              <a:rPr lang="ru-RU" dirty="0" smtClean="0"/>
+              <a:t>сервисе онлайн-обучения</a:t>
+            </a:r>
+            <a:endParaRPr lang="ru-RU" dirty="0" smtClean="0"/>
+          </a:p>
+          <a:p>
+            <a:r>
+              <a:rPr lang="ru-RU" dirty="0" smtClean="0"/>
               <a:t>Составим описание выбранного процесса: клиент может как поступить, так и отозвать заявление на платные курсы в образовательном учреждении. В каждом из описанных действий участвует преподаватель, ведущий курс, и бухгалтер образовательного учреждения.</a:t>
             </a:r>
           </a:p>
@@ -6417,7 +6420,7 @@
       </p:sp>
       <p:pic>
         <p:nvPicPr>
-          <p:cNvPr id="4" name="Рисунок 3"/>
+          <p:cNvPr id="6" name="Рисунок 5"/>
           <p:cNvPicPr>
             <a:picLocks noChangeAspect="1"/>
           </p:cNvPicPr>
@@ -6431,8 +6434,8 @@
         </p:blipFill>
         <p:spPr>
           <a:xfrm>
-            <a:off x="618361" y="4147622"/>
-            <a:ext cx="4652139" cy="2710377"/>
+            <a:off x="893123" y="2270234"/>
+            <a:ext cx="4396139" cy="4587766"/>
           </a:xfrm>
           <a:prstGeom prst="rect">
             <a:avLst/>
@@ -6441,7 +6444,7 @@
       </p:pic>
       <p:pic>
         <p:nvPicPr>
-          <p:cNvPr id="5" name="Рисунок 4"/>
+          <p:cNvPr id="8" name="Рисунок 7"/>
           <p:cNvPicPr>
             <a:picLocks noChangeAspect="1"/>
           </p:cNvPicPr>
@@ -6456,7 +6459,7 @@
         <p:spPr>
           <a:xfrm>
             <a:off x="5578303" y="1296989"/>
-            <a:ext cx="3624469" cy="4341811"/>
+            <a:ext cx="4522983" cy="5127617"/>
           </a:xfrm>
           <a:prstGeom prst="rect">
             <a:avLst/>
@@ -6569,7 +6572,7 @@
       </p:sp>
       <p:pic>
         <p:nvPicPr>
-          <p:cNvPr id="5" name="Рисунок 4"/>
+          <p:cNvPr id="6" name="Рисунок 5"/>
           <p:cNvPicPr/>
           <p:nvPr/>
         </p:nvPicPr>
@@ -6581,8 +6584,8 @@
         </p:blipFill>
         <p:spPr>
           <a:xfrm>
-            <a:off x="546101" y="2489200"/>
-            <a:ext cx="6805612" cy="4368800"/>
+            <a:off x="898634" y="2254469"/>
+            <a:ext cx="7309781" cy="4603531"/>
           </a:xfrm>
           <a:prstGeom prst="rect">
             <a:avLst/>
